--- a/Freelancing and employing platform 2.pptx
+++ b/Freelancing and employing platform 2.pptx
@@ -23,27 +23,27 @@
   <p:notesSz cx="6858000" cy="9144000"/>
   <p:embeddedFontLst>
     <p:embeddedFont>
-      <p:font typeface="Lato Bold" panose="020B0604020202020204" charset="0"/>
+      <p:font typeface="Poppins Heavy" panose="020B0604020202020204" charset="0"/>
       <p:regular r:id="rId13"/>
     </p:embeddedFont>
     <p:embeddedFont>
-      <p:font typeface="Poppins Bold" panose="020B0604020202020204" charset="0"/>
+      <p:font typeface="Lato" panose="020B0604020202020204" charset="0"/>
       <p:regular r:id="rId14"/>
     </p:embeddedFont>
     <p:embeddedFont>
-      <p:font typeface="Poppins Heavy" panose="020B0604020202020204" charset="0"/>
+      <p:font typeface="Garet Bold" panose="020B0604020202020204" charset="0"/>
       <p:regular r:id="rId15"/>
     </p:embeddedFont>
     <p:embeddedFont>
-      <p:font typeface="Garet Bold" panose="020B0604020202020204" charset="0"/>
+      <p:font typeface="Lato Bold" panose="020B0604020202020204" charset="0"/>
       <p:regular r:id="rId16"/>
     </p:embeddedFont>
     <p:embeddedFont>
-      <p:font typeface="Poppins" panose="020B0604020202020204" charset="0"/>
+      <p:font typeface="Poppins Ultra-Bold" panose="020B0604020202020204" charset="0"/>
       <p:regular r:id="rId17"/>
     </p:embeddedFont>
     <p:embeddedFont>
-      <p:font typeface="Lato" panose="020B0604020202020204" charset="0"/>
+      <p:font typeface="Poppins Bold" panose="020B0604020202020204" charset="0"/>
       <p:regular r:id="rId18"/>
     </p:embeddedFont>
     <p:embeddedFont>
@@ -52,7 +52,7 @@
       <p:bold r:id="rId20"/>
     </p:embeddedFont>
     <p:embeddedFont>
-      <p:font typeface="Poppins Ultra-Bold" panose="020B0604020202020204" charset="0"/>
+      <p:font typeface="Poppins" panose="020B0604020202020204" charset="0"/>
       <p:regular r:id="rId21"/>
     </p:embeddedFont>
   </p:embeddedFontLst>
@@ -252,7 +252,7 @@
           <a:p>
             <a:fld id="{E4254419-7FF6-4D0B-A6D6-864A9CCC5B41}" type="datetimeFigureOut">
               <a:rPr lang="en-US" smtClean="0"/>
-              <a:t>4/29/2024</a:t>
+              <a:t>6/19/2024</a:t>
             </a:fld>
             <a:endParaRPr lang="en-US"/>
           </a:p>
@@ -786,7 +786,7 @@
             <a:fld id="{1D8BD707-D9CF-40AE-B4C6-C98DA3205C09}" type="datetimeFigureOut">
               <a:rPr lang="en-US" smtClean="0"/>
               <a:pPr/>
-              <a:t>4/29/2024</a:t>
+              <a:t>6/19/2024</a:t>
             </a:fld>
             <a:endParaRPr lang="en-US"/>
           </a:p>
@@ -953,7 +953,7 @@
             <a:fld id="{1D8BD707-D9CF-40AE-B4C6-C98DA3205C09}" type="datetimeFigureOut">
               <a:rPr lang="en-US" smtClean="0"/>
               <a:pPr/>
-              <a:t>4/29/2024</a:t>
+              <a:t>6/19/2024</a:t>
             </a:fld>
             <a:endParaRPr lang="en-US"/>
           </a:p>
@@ -1130,7 +1130,7 @@
             <a:fld id="{1D8BD707-D9CF-40AE-B4C6-C98DA3205C09}" type="datetimeFigureOut">
               <a:rPr lang="en-US" smtClean="0"/>
               <a:pPr/>
-              <a:t>4/29/2024</a:t>
+              <a:t>6/19/2024</a:t>
             </a:fld>
             <a:endParaRPr lang="en-US"/>
           </a:p>
@@ -1297,7 +1297,7 @@
             <a:fld id="{1D8BD707-D9CF-40AE-B4C6-C98DA3205C09}" type="datetimeFigureOut">
               <a:rPr lang="en-US" smtClean="0"/>
               <a:pPr/>
-              <a:t>4/29/2024</a:t>
+              <a:t>6/19/2024</a:t>
             </a:fld>
             <a:endParaRPr lang="en-US"/>
           </a:p>
@@ -1540,7 +1540,7 @@
             <a:fld id="{1D8BD707-D9CF-40AE-B4C6-C98DA3205C09}" type="datetimeFigureOut">
               <a:rPr lang="en-US" smtClean="0"/>
               <a:pPr/>
-              <a:t>4/29/2024</a:t>
+              <a:t>6/19/2024</a:t>
             </a:fld>
             <a:endParaRPr lang="en-US"/>
           </a:p>
@@ -1825,7 +1825,7 @@
             <a:fld id="{1D8BD707-D9CF-40AE-B4C6-C98DA3205C09}" type="datetimeFigureOut">
               <a:rPr lang="en-US" smtClean="0"/>
               <a:pPr/>
-              <a:t>4/29/2024</a:t>
+              <a:t>6/19/2024</a:t>
             </a:fld>
             <a:endParaRPr lang="en-US"/>
           </a:p>
@@ -2244,7 +2244,7 @@
             <a:fld id="{1D8BD707-D9CF-40AE-B4C6-C98DA3205C09}" type="datetimeFigureOut">
               <a:rPr lang="en-US" smtClean="0"/>
               <a:pPr/>
-              <a:t>4/29/2024</a:t>
+              <a:t>6/19/2024</a:t>
             </a:fld>
             <a:endParaRPr lang="en-US"/>
           </a:p>
@@ -2359,7 +2359,7 @@
             <a:fld id="{1D8BD707-D9CF-40AE-B4C6-C98DA3205C09}" type="datetimeFigureOut">
               <a:rPr lang="en-US" smtClean="0"/>
               <a:pPr/>
-              <a:t>4/29/2024</a:t>
+              <a:t>6/19/2024</a:t>
             </a:fld>
             <a:endParaRPr lang="en-US"/>
           </a:p>
@@ -2451,7 +2451,7 @@
             <a:fld id="{1D8BD707-D9CF-40AE-B4C6-C98DA3205C09}" type="datetimeFigureOut">
               <a:rPr lang="en-US" smtClean="0"/>
               <a:pPr/>
-              <a:t>4/29/2024</a:t>
+              <a:t>6/19/2024</a:t>
             </a:fld>
             <a:endParaRPr lang="en-US"/>
           </a:p>
@@ -2725,7 +2725,7 @@
             <a:fld id="{1D8BD707-D9CF-40AE-B4C6-C98DA3205C09}" type="datetimeFigureOut">
               <a:rPr lang="en-US" smtClean="0"/>
               <a:pPr/>
-              <a:t>4/29/2024</a:t>
+              <a:t>6/19/2024</a:t>
             </a:fld>
             <a:endParaRPr lang="en-US"/>
           </a:p>
@@ -2975,7 +2975,7 @@
             <a:fld id="{1D8BD707-D9CF-40AE-B4C6-C98DA3205C09}" type="datetimeFigureOut">
               <a:rPr lang="en-US" smtClean="0"/>
               <a:pPr/>
-              <a:t>4/29/2024</a:t>
+              <a:t>6/19/2024</a:t>
             </a:fld>
             <a:endParaRPr lang="en-US"/>
           </a:p>
@@ -3185,7 +3185,7 @@
             <a:fld id="{1D8BD707-D9CF-40AE-B4C6-C98DA3205C09}" type="datetimeFigureOut">
               <a:rPr lang="en-US" smtClean="0"/>
               <a:pPr/>
-              <a:t>4/29/2024</a:t>
+              <a:t>6/19/2024</a:t>
             </a:fld>
             <a:endParaRPr lang="en-US"/>
           </a:p>
@@ -3878,7 +3878,7 @@
               <a:alphaModFix amt="69000"/>
               <a:extLst>
                 <a:ext uri="{96DAC541-7B7A-43D3-8B79-37D633B846F1}">
-                  <asvg:svgBlip xmlns:asvg="http://schemas.microsoft.com/office/drawing/2016/SVG/main" xmlns="" r:embed="rId3"/>
+                  <asvg:svgBlip xmlns="" xmlns:asvg="http://schemas.microsoft.com/office/drawing/2016/SVG/main" r:embed="rId3"/>
                 </a:ext>
               </a:extLst>
             </a:blip>
@@ -5285,7 +5285,7 @@
             <a:blip r:embed="rId2">
               <a:extLst>
                 <a:ext uri="{96DAC541-7B7A-43D3-8B79-37D633B846F1}">
-                  <asvg:svgBlip xmlns:asvg="http://schemas.microsoft.com/office/drawing/2016/SVG/main" xmlns="" r:embed="rId3"/>
+                  <asvg:svgBlip xmlns="" xmlns:asvg="http://schemas.microsoft.com/office/drawing/2016/SVG/main" r:embed="rId3"/>
                 </a:ext>
               </a:extLst>
             </a:blip>
@@ -6038,7 +6038,7 @@
             <a:blip r:embed="rId2">
               <a:extLst>
                 <a:ext uri="{96DAC541-7B7A-43D3-8B79-37D633B846F1}">
-                  <asvg:svgBlip xmlns:asvg="http://schemas.microsoft.com/office/drawing/2016/SVG/main" xmlns="" r:embed="rId3"/>
+                  <asvg:svgBlip xmlns="" xmlns:asvg="http://schemas.microsoft.com/office/drawing/2016/SVG/main" r:embed="rId3"/>
                 </a:ext>
               </a:extLst>
             </a:blip>
@@ -6090,7 +6090,7 @@
             <a:blip r:embed="rId4">
               <a:extLst>
                 <a:ext uri="{96DAC541-7B7A-43D3-8B79-37D633B846F1}">
-                  <asvg:svgBlip xmlns:asvg="http://schemas.microsoft.com/office/drawing/2016/SVG/main" xmlns="" r:embed="rId5"/>
+                  <asvg:svgBlip xmlns="" xmlns:asvg="http://schemas.microsoft.com/office/drawing/2016/SVG/main" r:embed="rId5"/>
                 </a:ext>
               </a:extLst>
             </a:blip>
@@ -6142,7 +6142,7 @@
             <a:blip r:embed="rId6">
               <a:extLst>
                 <a:ext uri="{96DAC541-7B7A-43D3-8B79-37D633B846F1}">
-                  <asvg:svgBlip xmlns:asvg="http://schemas.microsoft.com/office/drawing/2016/SVG/main" xmlns="" r:embed="rId7"/>
+                  <asvg:svgBlip xmlns="" xmlns:asvg="http://schemas.microsoft.com/office/drawing/2016/SVG/main" r:embed="rId7"/>
                 </a:ext>
               </a:extLst>
             </a:blip>
@@ -6194,7 +6194,7 @@
             <a:blip r:embed="rId8">
               <a:extLst>
                 <a:ext uri="{96DAC541-7B7A-43D3-8B79-37D633B846F1}">
-                  <asvg:svgBlip xmlns:asvg="http://schemas.microsoft.com/office/drawing/2016/SVG/main" xmlns="" r:embed="rId9"/>
+                  <asvg:svgBlip xmlns="" xmlns:asvg="http://schemas.microsoft.com/office/drawing/2016/SVG/main" r:embed="rId9"/>
                 </a:ext>
               </a:extLst>
             </a:blip>
@@ -7514,7 +7514,7 @@
             <a:blip r:embed="rId2">
               <a:extLst>
                 <a:ext uri="{96DAC541-7B7A-43D3-8B79-37D633B846F1}">
-                  <asvg:svgBlip xmlns:asvg="http://schemas.microsoft.com/office/drawing/2016/SVG/main" xmlns="" r:embed="rId3"/>
+                  <asvg:svgBlip xmlns="" xmlns:asvg="http://schemas.microsoft.com/office/drawing/2016/SVG/main" r:embed="rId3"/>
                 </a:ext>
               </a:extLst>
             </a:blip>
@@ -7808,7 +7808,7 @@
             <a:blip r:embed="rId2">
               <a:extLst>
                 <a:ext uri="{96DAC541-7B7A-43D3-8B79-37D633B846F1}">
-                  <asvg:svgBlip xmlns:asvg="http://schemas.microsoft.com/office/drawing/2016/SVG/main" xmlns="" r:embed="rId3"/>
+                  <asvg:svgBlip xmlns="" xmlns:asvg="http://schemas.microsoft.com/office/drawing/2016/SVG/main" r:embed="rId3"/>
                 </a:ext>
               </a:extLst>
             </a:blip>
@@ -8475,7 +8475,7 @@
             <a:blip r:embed="rId2">
               <a:extLst>
                 <a:ext uri="{96DAC541-7B7A-43D3-8B79-37D633B846F1}">
-                  <asvg:svgBlip xmlns:asvg="http://schemas.microsoft.com/office/drawing/2016/SVG/main" xmlns="" r:embed="rId3"/>
+                  <asvg:svgBlip xmlns="" xmlns:asvg="http://schemas.microsoft.com/office/drawing/2016/SVG/main" r:embed="rId3"/>
                 </a:ext>
               </a:extLst>
             </a:blip>
@@ -10561,7 +10561,7 @@
         <p:spPr>
           <a:xfrm>
             <a:off x="2609758" y="7849854"/>
-            <a:ext cx="2274287" cy="784767"/>
+            <a:ext cx="2274287" cy="782265"/>
           </a:xfrm>
           <a:prstGeom prst="rect">
             <a:avLst/>
@@ -10582,14 +10582,20 @@
               </a:spcBef>
             </a:pPr>
             <a:r>
-              <a:rPr lang="en-US" sz="4353" spc="-87" dirty="0">
+              <a:rPr lang="en-AE" sz="4353" spc="-87" smtClean="0">
                 <a:solidFill>
                   <a:srgbClr val="243762"/>
                 </a:solidFill>
                 <a:latin typeface="Poppins"/>
               </a:rPr>
-              <a:t>Website</a:t>
-            </a:r>
+              <a:t>Both</a:t>
+            </a:r>
+            <a:endParaRPr lang="en-US" sz="4353" spc="-87" dirty="0">
+              <a:solidFill>
+                <a:srgbClr val="243762"/>
+              </a:solidFill>
+              <a:latin typeface="Poppins"/>
+            </a:endParaRPr>
           </a:p>
         </p:txBody>
       </p:sp>
@@ -11456,7 +11462,7 @@
             <a:blip r:embed="rId3">
               <a:extLst>
                 <a:ext uri="{96DAC541-7B7A-43D3-8B79-37D633B846F1}">
-                  <asvg:svgBlip xmlns:asvg="http://schemas.microsoft.com/office/drawing/2016/SVG/main" xmlns="" r:embed="rId4"/>
+                  <asvg:svgBlip xmlns="" xmlns:asvg="http://schemas.microsoft.com/office/drawing/2016/SVG/main" r:embed="rId4"/>
                 </a:ext>
               </a:extLst>
             </a:blip>
